--- a/Images/instructions_german.pptx
+++ b/Images/instructions_german.pptx
@@ -260,7 +260,7 @@
           <a:p>
             <a:fld id="{AE475753-62BC-43E9-BD50-DD0D869A7B4E}" type="datetimeFigureOut">
               <a:rPr lang="en-US" smtClean="0"/>
-              <a:t>6/30/2024</a:t>
+              <a:t>7/15/2024</a:t>
             </a:fld>
             <a:endParaRPr lang="en-US"/>
           </a:p>
@@ -430,7 +430,7 @@
           <a:p>
             <a:fld id="{AE475753-62BC-43E9-BD50-DD0D869A7B4E}" type="datetimeFigureOut">
               <a:rPr lang="en-US" smtClean="0"/>
-              <a:t>6/30/2024</a:t>
+              <a:t>7/15/2024</a:t>
             </a:fld>
             <a:endParaRPr lang="en-US"/>
           </a:p>
@@ -610,7 +610,7 @@
           <a:p>
             <a:fld id="{AE475753-62BC-43E9-BD50-DD0D869A7B4E}" type="datetimeFigureOut">
               <a:rPr lang="en-US" smtClean="0"/>
-              <a:t>6/30/2024</a:t>
+              <a:t>7/15/2024</a:t>
             </a:fld>
             <a:endParaRPr lang="en-US"/>
           </a:p>
@@ -780,7 +780,7 @@
           <a:p>
             <a:fld id="{AE475753-62BC-43E9-BD50-DD0D869A7B4E}" type="datetimeFigureOut">
               <a:rPr lang="en-US" smtClean="0"/>
-              <a:t>6/30/2024</a:t>
+              <a:t>7/15/2024</a:t>
             </a:fld>
             <a:endParaRPr lang="en-US"/>
           </a:p>
@@ -1024,7 +1024,7 @@
           <a:p>
             <a:fld id="{AE475753-62BC-43E9-BD50-DD0D869A7B4E}" type="datetimeFigureOut">
               <a:rPr lang="en-US" smtClean="0"/>
-              <a:t>6/30/2024</a:t>
+              <a:t>7/15/2024</a:t>
             </a:fld>
             <a:endParaRPr lang="en-US"/>
           </a:p>
@@ -1256,7 +1256,7 @@
           <a:p>
             <a:fld id="{AE475753-62BC-43E9-BD50-DD0D869A7B4E}" type="datetimeFigureOut">
               <a:rPr lang="en-US" smtClean="0"/>
-              <a:t>6/30/2024</a:t>
+              <a:t>7/15/2024</a:t>
             </a:fld>
             <a:endParaRPr lang="en-US"/>
           </a:p>
@@ -1623,7 +1623,7 @@
           <a:p>
             <a:fld id="{AE475753-62BC-43E9-BD50-DD0D869A7B4E}" type="datetimeFigureOut">
               <a:rPr lang="en-US" smtClean="0"/>
-              <a:t>6/30/2024</a:t>
+              <a:t>7/15/2024</a:t>
             </a:fld>
             <a:endParaRPr lang="en-US"/>
           </a:p>
@@ -1741,7 +1741,7 @@
           <a:p>
             <a:fld id="{AE475753-62BC-43E9-BD50-DD0D869A7B4E}" type="datetimeFigureOut">
               <a:rPr lang="en-US" smtClean="0"/>
-              <a:t>6/30/2024</a:t>
+              <a:t>7/15/2024</a:t>
             </a:fld>
             <a:endParaRPr lang="en-US"/>
           </a:p>
@@ -1836,7 +1836,7 @@
           <a:p>
             <a:fld id="{AE475753-62BC-43E9-BD50-DD0D869A7B4E}" type="datetimeFigureOut">
               <a:rPr lang="en-US" smtClean="0"/>
-              <a:t>6/30/2024</a:t>
+              <a:t>7/15/2024</a:t>
             </a:fld>
             <a:endParaRPr lang="en-US"/>
           </a:p>
@@ -2113,7 +2113,7 @@
           <a:p>
             <a:fld id="{AE475753-62BC-43E9-BD50-DD0D869A7B4E}" type="datetimeFigureOut">
               <a:rPr lang="en-US" smtClean="0"/>
-              <a:t>6/30/2024</a:t>
+              <a:t>7/15/2024</a:t>
             </a:fld>
             <a:endParaRPr lang="en-US"/>
           </a:p>
@@ -2370,7 +2370,7 @@
           <a:p>
             <a:fld id="{AE475753-62BC-43E9-BD50-DD0D869A7B4E}" type="datetimeFigureOut">
               <a:rPr lang="en-US" smtClean="0"/>
-              <a:t>6/30/2024</a:t>
+              <a:t>7/15/2024</a:t>
             </a:fld>
             <a:endParaRPr lang="en-US"/>
           </a:p>
@@ -2583,7 +2583,7 @@
           <a:p>
             <a:fld id="{AE475753-62BC-43E9-BD50-DD0D869A7B4E}" type="datetimeFigureOut">
               <a:rPr lang="en-US" smtClean="0"/>
-              <a:t>6/30/2024</a:t>
+              <a:t>7/15/2024</a:t>
             </a:fld>
             <a:endParaRPr lang="en-US"/>
           </a:p>
@@ -3376,11 +3376,19 @@
             </a:r>
             <a:r>
               <a:rPr lang="de-DE" sz="2267" b="1" dirty="0"/>
-              <a:t>Fixationspunkt</a:t>
+              <a:t>Fixationskreuz </a:t>
             </a:r>
             <a:r>
               <a:rPr lang="de-DE" sz="2267" dirty="0"/>
-              <a:t> angezeigt, auf den Sie schauen sollen.</a:t>
+              <a:t>angezeigt, </a:t>
+            </a:r>
+            <a:r>
+              <a:rPr lang="de-DE" sz="2267" b="1" dirty="0"/>
+              <a:t>auf den Sie schauen sollen</a:t>
+            </a:r>
+            <a:r>
+              <a:rPr lang="de-DE" sz="2267" dirty="0"/>
+              <a:t>.</a:t>
             </a:r>
           </a:p>
           <a:p>
